--- a/JavaFX .pptx
+++ b/JavaFX .pptx
@@ -21,8 +21,11 @@
     <p:sldId id="272" r:id="rId15"/>
     <p:sldId id="263" r:id="rId16"/>
     <p:sldId id="264" r:id="rId17"/>
-    <p:sldId id="273" r:id="rId18"/>
-    <p:sldId id="259" r:id="rId19"/>
+    <p:sldId id="274" r:id="rId18"/>
+    <p:sldId id="275" r:id="rId19"/>
+    <p:sldId id="276" r:id="rId20"/>
+    <p:sldId id="273" r:id="rId21"/>
+    <p:sldId id="259" r:id="rId22"/>
   </p:sldIdLst>
   <p:sldSz cx="9144000" cy="6858000" type="screen4x3"/>
   <p:notesSz cx="6858000" cy="9144000"/>
@@ -435,7 +438,7 @@
           <a:p>
             <a:fld id="{8B62BE46-770C-FA44-A252-616E2B2AA274}" type="datetimeFigureOut">
               <a:rPr lang="en-US" smtClean="0"/>
-              <a:t>13/03/15</a:t>
+              <a:t>14/03/15</a:t>
             </a:fld>
             <a:endParaRPr lang="en-US"/>
           </a:p>
@@ -721,7 +724,7 @@
           <a:p>
             <a:fld id="{8B62BE46-770C-FA44-A252-616E2B2AA274}" type="datetimeFigureOut">
               <a:rPr lang="en-US" smtClean="0"/>
-              <a:t>13/03/15</a:t>
+              <a:t>14/03/15</a:t>
             </a:fld>
             <a:endParaRPr lang="en-US"/>
           </a:p>
@@ -1143,7 +1146,7 @@
           <a:p>
             <a:fld id="{8B62BE46-770C-FA44-A252-616E2B2AA274}" type="datetimeFigureOut">
               <a:rPr lang="en-US" smtClean="0"/>
-              <a:t>13/03/15</a:t>
+              <a:t>14/03/15</a:t>
             </a:fld>
             <a:endParaRPr lang="en-US"/>
           </a:p>
@@ -1560,7 +1563,7 @@
           <a:p>
             <a:fld id="{8B62BE46-770C-FA44-A252-616E2B2AA274}" type="datetimeFigureOut">
               <a:rPr lang="en-US" smtClean="0"/>
-              <a:t>13/03/15</a:t>
+              <a:t>14/03/15</a:t>
             </a:fld>
             <a:endParaRPr lang="en-US"/>
           </a:p>
@@ -1693,7 +1696,7 @@
           <a:p>
             <a:fld id="{8B62BE46-770C-FA44-A252-616E2B2AA274}" type="datetimeFigureOut">
               <a:rPr lang="en-US" smtClean="0"/>
-              <a:t>13/03/15</a:t>
+              <a:t>14/03/15</a:t>
             </a:fld>
             <a:endParaRPr lang="en-US"/>
           </a:p>
@@ -2015,7 +2018,7 @@
           <a:p>
             <a:fld id="{8B62BE46-770C-FA44-A252-616E2B2AA274}" type="datetimeFigureOut">
               <a:rPr lang="en-US" smtClean="0"/>
-              <a:t>13/03/15</a:t>
+              <a:t>14/03/15</a:t>
             </a:fld>
             <a:endParaRPr lang="en-US"/>
           </a:p>
@@ -2259,7 +2262,7 @@
           <a:p>
             <a:fld id="{8B62BE46-770C-FA44-A252-616E2B2AA274}" type="datetimeFigureOut">
               <a:rPr lang="en-US" smtClean="0"/>
-              <a:t>13/03/15</a:t>
+              <a:t>14/03/15</a:t>
             </a:fld>
             <a:endParaRPr lang="en-US"/>
           </a:p>
@@ -2597,7 +2600,7 @@
           <a:p>
             <a:fld id="{8B62BE46-770C-FA44-A252-616E2B2AA274}" type="datetimeFigureOut">
               <a:rPr lang="en-US" smtClean="0"/>
-              <a:t>13/03/15</a:t>
+              <a:t>14/03/15</a:t>
             </a:fld>
             <a:endParaRPr lang="en-US"/>
           </a:p>
@@ -2897,7 +2900,7 @@
           <a:p>
             <a:fld id="{8B62BE46-770C-FA44-A252-616E2B2AA274}" type="datetimeFigureOut">
               <a:rPr lang="en-US" smtClean="0"/>
-              <a:t>13/03/15</a:t>
+              <a:t>14/03/15</a:t>
             </a:fld>
             <a:endParaRPr lang="en-US"/>
           </a:p>
@@ -3304,7 +3307,7 @@
           <a:p>
             <a:fld id="{8B62BE46-770C-FA44-A252-616E2B2AA274}" type="datetimeFigureOut">
               <a:rPr lang="en-US" smtClean="0"/>
-              <a:t>13/03/15</a:t>
+              <a:t>14/03/15</a:t>
             </a:fld>
             <a:endParaRPr lang="en-US"/>
           </a:p>
@@ -3526,7 +3529,7 @@
           <a:p>
             <a:fld id="{8B62BE46-770C-FA44-A252-616E2B2AA274}" type="datetimeFigureOut">
               <a:rPr lang="en-US" smtClean="0"/>
-              <a:t>13/03/15</a:t>
+              <a:t>14/03/15</a:t>
             </a:fld>
             <a:endParaRPr lang="en-US"/>
           </a:p>
@@ -3743,7 +3746,7 @@
           <a:p>
             <a:fld id="{8B62BE46-770C-FA44-A252-616E2B2AA274}" type="datetimeFigureOut">
               <a:rPr lang="en-US" smtClean="0"/>
-              <a:t>13/03/15</a:t>
+              <a:t>14/03/15</a:t>
             </a:fld>
             <a:endParaRPr lang="en-US"/>
           </a:p>
@@ -4048,7 +4051,7 @@
           <a:p>
             <a:fld id="{8B62BE46-770C-FA44-A252-616E2B2AA274}" type="datetimeFigureOut">
               <a:rPr lang="en-US" smtClean="0"/>
-              <a:t>13/03/15</a:t>
+              <a:t>14/03/15</a:t>
             </a:fld>
             <a:endParaRPr lang="en-US"/>
           </a:p>
@@ -4375,7 +4378,7 @@
           <a:p>
             <a:fld id="{8B62BE46-770C-FA44-A252-616E2B2AA274}" type="datetimeFigureOut">
               <a:rPr lang="en-US" smtClean="0"/>
-              <a:t>13/03/15</a:t>
+              <a:t>14/03/15</a:t>
             </a:fld>
             <a:endParaRPr lang="en-US"/>
           </a:p>
@@ -4710,7 +4713,7 @@
           <a:p>
             <a:fld id="{8B62BE46-770C-FA44-A252-616E2B2AA274}" type="datetimeFigureOut">
               <a:rPr lang="en-US" smtClean="0"/>
-              <a:t>13/03/15</a:t>
+              <a:t>14/03/15</a:t>
             </a:fld>
             <a:endParaRPr lang="en-US"/>
           </a:p>
@@ -5333,7 +5336,7 @@
           <a:p>
             <a:fld id="{8B62BE46-770C-FA44-A252-616E2B2AA274}" type="datetimeFigureOut">
               <a:rPr lang="en-US" smtClean="0"/>
-              <a:t>13/03/15</a:t>
+              <a:t>14/03/15</a:t>
             </a:fld>
             <a:endParaRPr lang="en-US"/>
           </a:p>
@@ -5820,7 +5823,7 @@
           <a:p>
             <a:fld id="{8B62BE46-770C-FA44-A252-616E2B2AA274}" type="datetimeFigureOut">
               <a:rPr lang="en-US" smtClean="0"/>
-              <a:t>13/03/15</a:t>
+              <a:t>14/03/15</a:t>
             </a:fld>
             <a:endParaRPr lang="en-US"/>
           </a:p>
@@ -6068,7 +6071,7 @@
           <a:p>
             <a:fld id="{8B62BE46-770C-FA44-A252-616E2B2AA274}" type="datetimeFigureOut">
               <a:rPr lang="en-US" smtClean="0"/>
-              <a:t>13/03/15</a:t>
+              <a:t>14/03/15</a:t>
             </a:fld>
             <a:endParaRPr lang="en-US"/>
           </a:p>
@@ -6364,7 +6367,7 @@
           <a:p>
             <a:fld id="{8B62BE46-770C-FA44-A252-616E2B2AA274}" type="datetimeFigureOut">
               <a:rPr lang="en-US" smtClean="0"/>
-              <a:t>13/03/15</a:t>
+              <a:t>14/03/15</a:t>
             </a:fld>
             <a:endParaRPr lang="en-US"/>
           </a:p>
@@ -7854,80 +7857,45 @@
           <a:p>
             <a:r>
               <a:rPr lang="en-US" dirty="0" err="1" smtClean="0"/>
-              <a:t>JavaFX</a:t>
+              <a:t>GitFX</a:t>
             </a:r>
             <a:r>
               <a:rPr lang="en-US" dirty="0" smtClean="0"/>
-              <a:t> Deployments</a:t>
+              <a:t> – Project		</a:t>
             </a:r>
             <a:endParaRPr lang="en-US" dirty="0"/>
           </a:p>
         </p:txBody>
       </p:sp>
-      <p:sp>
-        <p:nvSpPr>
-          <p:cNvPr id="3" name="Content Placeholder 2"/>
-          <p:cNvSpPr>
-            <a:spLocks noGrp="1"/>
-          </p:cNvSpPr>
+      <p:pic>
+        <p:nvPicPr>
+          <p:cNvPr id="4" name="Content Placeholder 3" descr="Screen Shot 2015-03-14 at 10.52.22 am.png"/>
+          <p:cNvPicPr>
+            <a:picLocks noGrp="1" noChangeAspect="1"/>
+          </p:cNvPicPr>
           <p:nvPr>
             <p:ph idx="1"/>
           </p:nvPr>
-        </p:nvSpPr>
+        </p:nvPicPr>
+        <p:blipFill>
+          <a:blip r:embed="rId2">
+            <a:extLst>
+              <a:ext uri="{28A0092B-C50C-407E-A947-70E740481C1C}">
+                <a14:useLocalDpi xmlns:a14="http://schemas.microsoft.com/office/drawing/2010/main" val="0"/>
+              </a:ext>
+            </a:extLst>
+          </a:blip>
+          <a:srcRect l="-27061" r="-27061"/>
+          <a:stretch>
+            <a:fillRect/>
+          </a:stretch>
+        </p:blipFill>
         <p:spPr/>
-        <p:txBody>
-          <a:bodyPr/>
-          <a:lstStyle/>
-          <a:p>
-            <a:pPr marL="342900" indent="-342900">
-              <a:buFont typeface="+mj-lt"/>
-              <a:buAutoNum type="arabicPeriod"/>
-            </a:pPr>
-            <a:r>
-              <a:rPr lang="en-US" dirty="0" smtClean="0"/>
-              <a:t>Launch from command line using java launcher</a:t>
-            </a:r>
-          </a:p>
-          <a:p>
-            <a:pPr marL="342900" indent="-342900">
-              <a:buFont typeface="+mj-lt"/>
-              <a:buAutoNum type="arabicPeriod"/>
-            </a:pPr>
-            <a:r>
-              <a:rPr lang="en-US" dirty="0" smtClean="0"/>
-              <a:t>Launch as a desktop application from a JAR or self contained application</a:t>
-            </a:r>
-          </a:p>
-          <a:p>
-            <a:pPr marL="342900" indent="-342900">
-              <a:buFont typeface="+mj-lt"/>
-              <a:buAutoNum type="arabicPeriod"/>
-            </a:pPr>
-            <a:r>
-              <a:rPr lang="en-US" dirty="0" smtClean="0"/>
-              <a:t>View in a web page</a:t>
-            </a:r>
-          </a:p>
-          <a:p>
-            <a:pPr marL="342900" indent="-342900">
-              <a:buFont typeface="+mj-lt"/>
-              <a:buAutoNum type="arabicPeriod"/>
-            </a:pPr>
-            <a:r>
-              <a:rPr lang="en-US" dirty="0" smtClean="0"/>
-              <a:t>Launch by clicking a link in the browser to download an application</a:t>
-            </a:r>
-          </a:p>
-          <a:p>
-            <a:pPr lvl="1"/>
-            <a:endParaRPr lang="en-US" dirty="0"/>
-          </a:p>
-        </p:txBody>
-      </p:sp>
+      </p:pic>
     </p:spTree>
     <p:extLst>
       <p:ext uri="{BB962C8B-B14F-4D97-AF65-F5344CB8AC3E}">
-        <p14:creationId xmlns:p14="http://schemas.microsoft.com/office/powerpoint/2010/main" val="2544298998"/>
+        <p14:creationId xmlns:p14="http://schemas.microsoft.com/office/powerpoint/2010/main" val="4262652842"/>
       </p:ext>
     </p:extLst>
   </p:cSld>
@@ -7970,187 +7938,128 @@
           <a:lstStyle/>
           <a:p>
             <a:r>
+              <a:rPr lang="en-US" dirty="0" err="1" smtClean="0"/>
+              <a:t>GitFX</a:t>
+            </a:r>
+            <a:r>
               <a:rPr lang="en-US" dirty="0" smtClean="0"/>
-              <a:t>References</a:t>
+              <a:t> Project</a:t>
             </a:r>
             <a:endParaRPr lang="en-US" dirty="0"/>
           </a:p>
         </p:txBody>
       </p:sp>
-      <p:sp>
-        <p:nvSpPr>
-          <p:cNvPr id="3" name="Content Placeholder 2"/>
-          <p:cNvSpPr>
-            <a:spLocks noGrp="1"/>
-          </p:cNvSpPr>
+      <p:pic>
+        <p:nvPicPr>
+          <p:cNvPr id="4" name="Content Placeholder 3" descr="Screen Shot 2015-03-14 at 10.52.37 am.png"/>
+          <p:cNvPicPr>
+            <a:picLocks noGrp="1" noChangeAspect="1"/>
+          </p:cNvPicPr>
           <p:nvPr>
             <p:ph idx="1"/>
           </p:nvPr>
-        </p:nvSpPr>
+        </p:nvPicPr>
+        <p:blipFill>
+          <a:blip r:embed="rId2">
+            <a:extLst>
+              <a:ext uri="{28A0092B-C50C-407E-A947-70E740481C1C}">
+                <a14:useLocalDpi xmlns:a14="http://schemas.microsoft.com/office/drawing/2010/main" val="0"/>
+              </a:ext>
+            </a:extLst>
+          </a:blip>
+          <a:srcRect l="-27454" r="-27454"/>
+          <a:stretch>
+            <a:fillRect/>
+          </a:stretch>
+        </p:blipFill>
         <p:spPr/>
-        <p:txBody>
-          <a:bodyPr/>
-          <a:lstStyle/>
-          <a:p>
-            <a:r>
-              <a:rPr lang="en-US" dirty="0" smtClean="0"/>
-              <a:t>1 </a:t>
-            </a:r>
-            <a:r>
-              <a:rPr lang="pl-PL" dirty="0" smtClean="0">
-                <a:hlinkClick r:id="rId2"/>
-              </a:rPr>
-              <a:t>http</a:t>
-            </a:r>
-            <a:r>
-              <a:rPr lang="pl-PL" dirty="0">
-                <a:hlinkClick r:id="rId2"/>
-              </a:rPr>
-              <a:t>://</a:t>
-            </a:r>
-            <a:r>
-              <a:rPr lang="pl-PL" dirty="0" err="1">
-                <a:hlinkClick r:id="rId2"/>
-              </a:rPr>
-              <a:t>en.wikipedia.org</a:t>
-            </a:r>
-            <a:r>
-              <a:rPr lang="pl-PL" dirty="0">
-                <a:hlinkClick r:id="rId2"/>
-              </a:rPr>
-              <a:t>/</a:t>
-            </a:r>
-            <a:r>
-              <a:rPr lang="pl-PL" dirty="0" err="1">
-                <a:hlinkClick r:id="rId2"/>
-              </a:rPr>
-              <a:t>wiki</a:t>
-            </a:r>
-            <a:r>
-              <a:rPr lang="pl-PL" dirty="0">
-                <a:hlinkClick r:id="rId2"/>
-              </a:rPr>
-              <a:t>/</a:t>
-            </a:r>
-            <a:r>
-              <a:rPr lang="pl-PL" dirty="0" err="1">
-                <a:hlinkClick r:id="rId2"/>
-              </a:rPr>
-              <a:t>JavaFX</a:t>
-            </a:r>
-            <a:endParaRPr lang="en-US" dirty="0" smtClean="0"/>
-          </a:p>
-          <a:p>
-            <a:r>
-              <a:rPr lang="en-US" dirty="0" smtClean="0">
-                <a:hlinkClick r:id="rId3"/>
-              </a:rPr>
-              <a:t>2 </a:t>
-            </a:r>
-            <a:r>
-              <a:rPr lang="pl-PL" dirty="0" smtClean="0">
-                <a:hlinkClick r:id="rId3"/>
-              </a:rPr>
-              <a:t>http</a:t>
-            </a:r>
-            <a:r>
-              <a:rPr lang="pl-PL" dirty="0">
-                <a:hlinkClick r:id="rId3"/>
-              </a:rPr>
-              <a:t>://java.dzone.com/articles/oracle-discontinue-</a:t>
-            </a:r>
-            <a:r>
-              <a:rPr lang="pl-PL" dirty="0" smtClean="0">
-                <a:hlinkClick r:id="rId3"/>
-              </a:rPr>
-              <a:t>javafx</a:t>
-            </a:r>
-            <a:endParaRPr lang="pl-PL" dirty="0" smtClean="0"/>
-          </a:p>
-          <a:p>
-            <a:r>
-              <a:rPr lang="pl-PL" dirty="0" smtClean="0"/>
-              <a:t>3 </a:t>
-            </a:r>
-            <a:r>
-              <a:rPr lang="pl-PL" dirty="0" err="1" smtClean="0"/>
-              <a:t>JavaFX</a:t>
-            </a:r>
-            <a:r>
-              <a:rPr lang="pl-PL" dirty="0" smtClean="0"/>
-              <a:t> for </a:t>
-            </a:r>
-            <a:r>
-              <a:rPr lang="pl-PL" dirty="0" err="1"/>
-              <a:t>D</a:t>
-            </a:r>
-            <a:r>
-              <a:rPr lang="pl-PL" dirty="0" err="1" smtClean="0"/>
-              <a:t>ummies</a:t>
-            </a:r>
-            <a:endParaRPr lang="pl-PL" dirty="0" smtClean="0"/>
-          </a:p>
-          <a:p>
-            <a:r>
-              <a:rPr lang="pl-PL" dirty="0" smtClean="0"/>
-              <a:t>4 </a:t>
-            </a:r>
-            <a:r>
-              <a:rPr lang="pl-PL" dirty="0" err="1" smtClean="0"/>
-              <a:t>Effective</a:t>
-            </a:r>
-            <a:r>
-              <a:rPr lang="pl-PL" dirty="0" smtClean="0"/>
-              <a:t> </a:t>
-            </a:r>
-            <a:r>
-              <a:rPr lang="pl-PL" dirty="0" err="1" smtClean="0"/>
-              <a:t>JavaFX</a:t>
-            </a:r>
-            <a:endParaRPr lang="pl-PL" dirty="0" smtClean="0"/>
-          </a:p>
-          <a:p>
-            <a:r>
-              <a:rPr lang="en-US" dirty="0" smtClean="0">
-                <a:hlinkClick r:id="rId4"/>
-              </a:rPr>
-              <a:t>Deployments: http</a:t>
-            </a:r>
-            <a:r>
-              <a:rPr lang="en-US" dirty="0">
-                <a:hlinkClick r:id="rId4"/>
-              </a:rPr>
-              <a:t>://docs.oracle.com/javafx/2/get_started/basic_deployment.htm#</a:t>
-            </a:r>
-            <a:r>
-              <a:rPr lang="en-US" dirty="0" smtClean="0">
-                <a:hlinkClick r:id="rId4"/>
-              </a:rPr>
-              <a:t>BABFAFEC</a:t>
-            </a:r>
-            <a:endParaRPr lang="en-US" dirty="0" smtClean="0"/>
-          </a:p>
-          <a:p>
-            <a:endParaRPr lang="pl-PL" dirty="0" smtClean="0"/>
-          </a:p>
-          <a:p>
-            <a:endParaRPr lang="pl-PL" dirty="0" smtClean="0"/>
-          </a:p>
-          <a:p>
-            <a:endParaRPr lang="pl-PL" dirty="0"/>
-          </a:p>
-          <a:p>
-            <a:endParaRPr lang="en-US" dirty="0" smtClean="0"/>
-          </a:p>
-          <a:p>
-            <a:endParaRPr lang="en-US" dirty="0"/>
-          </a:p>
-        </p:txBody>
-      </p:sp>
+      </p:pic>
     </p:spTree>
     <p:extLst>
       <p:ext uri="{BB962C8B-B14F-4D97-AF65-F5344CB8AC3E}">
-        <p14:creationId xmlns:p14="http://schemas.microsoft.com/office/powerpoint/2010/main" val="439741293"/>
+        <p14:creationId xmlns:p14="http://schemas.microsoft.com/office/powerpoint/2010/main" val="422036685"/>
+      </p:ext>
+    </p:extLst>
+  </p:cSld>
+  <p:clrMapOvr>
+    <a:masterClrMapping/>
+  </p:clrMapOvr>
+</p:sld>
+</file>
+
+<file path=ppt/slides/slide19.xml><?xml version="1.0" encoding="utf-8"?>
+<p:sld xmlns:a="http://schemas.openxmlformats.org/drawingml/2006/main" xmlns:r="http://schemas.openxmlformats.org/officeDocument/2006/relationships" xmlns:p="http://schemas.openxmlformats.org/presentationml/2006/main">
+  <p:cSld>
+    <p:spTree>
+      <p:nvGrpSpPr>
+        <p:cNvPr id="1" name=""/>
+        <p:cNvGrpSpPr/>
+        <p:nvPr/>
+      </p:nvGrpSpPr>
+      <p:grpSpPr>
+        <a:xfrm>
+          <a:off x="0" y="0"/>
+          <a:ext cx="0" cy="0"/>
+          <a:chOff x="0" y="0"/>
+          <a:chExt cx="0" cy="0"/>
+        </a:xfrm>
+      </p:grpSpPr>
+      <p:sp>
+        <p:nvSpPr>
+          <p:cNvPr id="2" name="Title 1"/>
+          <p:cNvSpPr>
+            <a:spLocks noGrp="1"/>
+          </p:cNvSpPr>
+          <p:nvPr>
+            <p:ph type="title"/>
+          </p:nvPr>
+        </p:nvSpPr>
+        <p:spPr/>
+        <p:txBody>
+          <a:bodyPr/>
+          <a:lstStyle/>
+          <a:p>
+            <a:r>
+              <a:rPr lang="en-US" dirty="0" err="1" smtClean="0"/>
+              <a:t>GitFX</a:t>
+            </a:r>
+            <a:r>
+              <a:rPr lang="en-US" dirty="0" smtClean="0"/>
+              <a:t> Project</a:t>
+            </a:r>
+            <a:endParaRPr lang="en-US" dirty="0"/>
+          </a:p>
+        </p:txBody>
+      </p:sp>
+      <p:pic>
+        <p:nvPicPr>
+          <p:cNvPr id="4" name="Content Placeholder 3" descr="Screen Shot 2015-03-14 at 10.52.49 am.png"/>
+          <p:cNvPicPr>
+            <a:picLocks noGrp="1" noChangeAspect="1"/>
+          </p:cNvPicPr>
+          <p:nvPr>
+            <p:ph idx="1"/>
+          </p:nvPr>
+        </p:nvPicPr>
+        <p:blipFill>
+          <a:blip r:embed="rId2">
+            <a:extLst>
+              <a:ext uri="{28A0092B-C50C-407E-A947-70E740481C1C}">
+                <a14:useLocalDpi xmlns:a14="http://schemas.microsoft.com/office/drawing/2010/main" val="0"/>
+              </a:ext>
+            </a:extLst>
+          </a:blip>
+          <a:srcRect l="-27588" r="-27588"/>
+          <a:stretch>
+            <a:fillRect/>
+          </a:stretch>
+        </p:blipFill>
+        <p:spPr/>
+      </p:pic>
+    </p:spTree>
+    <p:extLst>
+      <p:ext uri="{BB962C8B-B14F-4D97-AF65-F5344CB8AC3E}">
+        <p14:creationId xmlns:p14="http://schemas.microsoft.com/office/powerpoint/2010/main" val="2327521278"/>
       </p:ext>
     </p:extLst>
   </p:cSld>
@@ -8275,6 +8184,346 @@
     <p:extLst>
       <p:ext uri="{BB962C8B-B14F-4D97-AF65-F5344CB8AC3E}">
         <p14:creationId xmlns:p14="http://schemas.microsoft.com/office/powerpoint/2010/main" val="938934992"/>
+      </p:ext>
+    </p:extLst>
+  </p:cSld>
+  <p:clrMapOvr>
+    <a:masterClrMapping/>
+  </p:clrMapOvr>
+</p:sld>
+</file>
+
+<file path=ppt/slides/slide20.xml><?xml version="1.0" encoding="utf-8"?>
+<p:sld xmlns:a="http://schemas.openxmlformats.org/drawingml/2006/main" xmlns:r="http://schemas.openxmlformats.org/officeDocument/2006/relationships" xmlns:p="http://schemas.openxmlformats.org/presentationml/2006/main">
+  <p:cSld>
+    <p:spTree>
+      <p:nvGrpSpPr>
+        <p:cNvPr id="1" name=""/>
+        <p:cNvGrpSpPr/>
+        <p:nvPr/>
+      </p:nvGrpSpPr>
+      <p:grpSpPr>
+        <a:xfrm>
+          <a:off x="0" y="0"/>
+          <a:ext cx="0" cy="0"/>
+          <a:chOff x="0" y="0"/>
+          <a:chExt cx="0" cy="0"/>
+        </a:xfrm>
+      </p:grpSpPr>
+      <p:sp>
+        <p:nvSpPr>
+          <p:cNvPr id="2" name="Title 1"/>
+          <p:cNvSpPr>
+            <a:spLocks noGrp="1"/>
+          </p:cNvSpPr>
+          <p:nvPr>
+            <p:ph type="title"/>
+          </p:nvPr>
+        </p:nvSpPr>
+        <p:spPr/>
+        <p:txBody>
+          <a:bodyPr/>
+          <a:lstStyle/>
+          <a:p>
+            <a:r>
+              <a:rPr lang="en-US" dirty="0" err="1" smtClean="0"/>
+              <a:t>JavaFX</a:t>
+            </a:r>
+            <a:r>
+              <a:rPr lang="en-US" dirty="0" smtClean="0"/>
+              <a:t> Deployments</a:t>
+            </a:r>
+            <a:endParaRPr lang="en-US" dirty="0"/>
+          </a:p>
+        </p:txBody>
+      </p:sp>
+      <p:sp>
+        <p:nvSpPr>
+          <p:cNvPr id="3" name="Content Placeholder 2"/>
+          <p:cNvSpPr>
+            <a:spLocks noGrp="1"/>
+          </p:cNvSpPr>
+          <p:nvPr>
+            <p:ph idx="1"/>
+          </p:nvPr>
+        </p:nvSpPr>
+        <p:spPr/>
+        <p:txBody>
+          <a:bodyPr/>
+          <a:lstStyle/>
+          <a:p>
+            <a:pPr marL="342900" indent="-342900">
+              <a:buFont typeface="+mj-lt"/>
+              <a:buAutoNum type="arabicPeriod"/>
+            </a:pPr>
+            <a:r>
+              <a:rPr lang="en-US" dirty="0" smtClean="0"/>
+              <a:t>Launch from command line using java launcher</a:t>
+            </a:r>
+          </a:p>
+          <a:p>
+            <a:pPr marL="342900" indent="-342900">
+              <a:buFont typeface="+mj-lt"/>
+              <a:buAutoNum type="arabicPeriod"/>
+            </a:pPr>
+            <a:r>
+              <a:rPr lang="en-US" dirty="0" smtClean="0"/>
+              <a:t>Launch as a desktop application from a JAR or self contained application</a:t>
+            </a:r>
+          </a:p>
+          <a:p>
+            <a:pPr marL="342900" indent="-342900">
+              <a:buFont typeface="+mj-lt"/>
+              <a:buAutoNum type="arabicPeriod"/>
+            </a:pPr>
+            <a:r>
+              <a:rPr lang="en-US" dirty="0" smtClean="0"/>
+              <a:t>View in a web page</a:t>
+            </a:r>
+          </a:p>
+          <a:p>
+            <a:pPr marL="342900" indent="-342900">
+              <a:buFont typeface="+mj-lt"/>
+              <a:buAutoNum type="arabicPeriod"/>
+            </a:pPr>
+            <a:r>
+              <a:rPr lang="en-US" dirty="0" smtClean="0"/>
+              <a:t>Launch by clicking a link in the browser to download an application</a:t>
+            </a:r>
+          </a:p>
+          <a:p>
+            <a:pPr lvl="1"/>
+            <a:endParaRPr lang="en-US" dirty="0"/>
+          </a:p>
+        </p:txBody>
+      </p:sp>
+    </p:spTree>
+    <p:extLst>
+      <p:ext uri="{BB962C8B-B14F-4D97-AF65-F5344CB8AC3E}">
+        <p14:creationId xmlns:p14="http://schemas.microsoft.com/office/powerpoint/2010/main" val="2544298998"/>
+      </p:ext>
+    </p:extLst>
+  </p:cSld>
+  <p:clrMapOvr>
+    <a:masterClrMapping/>
+  </p:clrMapOvr>
+</p:sld>
+</file>
+
+<file path=ppt/slides/slide21.xml><?xml version="1.0" encoding="utf-8"?>
+<p:sld xmlns:a="http://schemas.openxmlformats.org/drawingml/2006/main" xmlns:r="http://schemas.openxmlformats.org/officeDocument/2006/relationships" xmlns:p="http://schemas.openxmlformats.org/presentationml/2006/main">
+  <p:cSld>
+    <p:spTree>
+      <p:nvGrpSpPr>
+        <p:cNvPr id="1" name=""/>
+        <p:cNvGrpSpPr/>
+        <p:nvPr/>
+      </p:nvGrpSpPr>
+      <p:grpSpPr>
+        <a:xfrm>
+          <a:off x="0" y="0"/>
+          <a:ext cx="0" cy="0"/>
+          <a:chOff x="0" y="0"/>
+          <a:chExt cx="0" cy="0"/>
+        </a:xfrm>
+      </p:grpSpPr>
+      <p:sp>
+        <p:nvSpPr>
+          <p:cNvPr id="2" name="Title 1"/>
+          <p:cNvSpPr>
+            <a:spLocks noGrp="1"/>
+          </p:cNvSpPr>
+          <p:nvPr>
+            <p:ph type="title"/>
+          </p:nvPr>
+        </p:nvSpPr>
+        <p:spPr/>
+        <p:txBody>
+          <a:bodyPr/>
+          <a:lstStyle/>
+          <a:p>
+            <a:r>
+              <a:rPr lang="en-US" dirty="0" smtClean="0"/>
+              <a:t>References</a:t>
+            </a:r>
+            <a:endParaRPr lang="en-US" dirty="0"/>
+          </a:p>
+        </p:txBody>
+      </p:sp>
+      <p:sp>
+        <p:nvSpPr>
+          <p:cNvPr id="3" name="Content Placeholder 2"/>
+          <p:cNvSpPr>
+            <a:spLocks noGrp="1"/>
+          </p:cNvSpPr>
+          <p:nvPr>
+            <p:ph idx="1"/>
+          </p:nvPr>
+        </p:nvSpPr>
+        <p:spPr/>
+        <p:txBody>
+          <a:bodyPr/>
+          <a:lstStyle/>
+          <a:p>
+            <a:r>
+              <a:rPr lang="en-US" dirty="0" smtClean="0"/>
+              <a:t>1 </a:t>
+            </a:r>
+            <a:r>
+              <a:rPr lang="pl-PL" dirty="0" smtClean="0">
+                <a:hlinkClick r:id="rId2"/>
+              </a:rPr>
+              <a:t>http</a:t>
+            </a:r>
+            <a:r>
+              <a:rPr lang="pl-PL" dirty="0">
+                <a:hlinkClick r:id="rId2"/>
+              </a:rPr>
+              <a:t>://</a:t>
+            </a:r>
+            <a:r>
+              <a:rPr lang="pl-PL" dirty="0" err="1">
+                <a:hlinkClick r:id="rId2"/>
+              </a:rPr>
+              <a:t>en.wikipedia.org</a:t>
+            </a:r>
+            <a:r>
+              <a:rPr lang="pl-PL" dirty="0">
+                <a:hlinkClick r:id="rId2"/>
+              </a:rPr>
+              <a:t>/</a:t>
+            </a:r>
+            <a:r>
+              <a:rPr lang="pl-PL" dirty="0" err="1">
+                <a:hlinkClick r:id="rId2"/>
+              </a:rPr>
+              <a:t>wiki</a:t>
+            </a:r>
+            <a:r>
+              <a:rPr lang="pl-PL" dirty="0">
+                <a:hlinkClick r:id="rId2"/>
+              </a:rPr>
+              <a:t>/</a:t>
+            </a:r>
+            <a:r>
+              <a:rPr lang="pl-PL" dirty="0" err="1">
+                <a:hlinkClick r:id="rId2"/>
+              </a:rPr>
+              <a:t>JavaFX</a:t>
+            </a:r>
+            <a:endParaRPr lang="en-US" dirty="0" smtClean="0"/>
+          </a:p>
+          <a:p>
+            <a:r>
+              <a:rPr lang="en-US" dirty="0" smtClean="0">
+                <a:hlinkClick r:id="rId3"/>
+              </a:rPr>
+              <a:t>2 </a:t>
+            </a:r>
+            <a:r>
+              <a:rPr lang="pl-PL" dirty="0" smtClean="0">
+                <a:hlinkClick r:id="rId3"/>
+              </a:rPr>
+              <a:t>http</a:t>
+            </a:r>
+            <a:r>
+              <a:rPr lang="pl-PL" dirty="0">
+                <a:hlinkClick r:id="rId3"/>
+              </a:rPr>
+              <a:t>://java.dzone.com/articles/oracle-discontinue-</a:t>
+            </a:r>
+            <a:r>
+              <a:rPr lang="pl-PL" dirty="0" smtClean="0">
+                <a:hlinkClick r:id="rId3"/>
+              </a:rPr>
+              <a:t>javafx</a:t>
+            </a:r>
+            <a:endParaRPr lang="pl-PL" dirty="0" smtClean="0"/>
+          </a:p>
+          <a:p>
+            <a:r>
+              <a:rPr lang="pl-PL" dirty="0" smtClean="0"/>
+              <a:t>3 </a:t>
+            </a:r>
+            <a:r>
+              <a:rPr lang="pl-PL" dirty="0" err="1" smtClean="0"/>
+              <a:t>JavaFX</a:t>
+            </a:r>
+            <a:r>
+              <a:rPr lang="pl-PL" dirty="0" smtClean="0"/>
+              <a:t> for </a:t>
+            </a:r>
+            <a:r>
+              <a:rPr lang="pl-PL" dirty="0" err="1"/>
+              <a:t>D</a:t>
+            </a:r>
+            <a:r>
+              <a:rPr lang="pl-PL" dirty="0" err="1" smtClean="0"/>
+              <a:t>ummies</a:t>
+            </a:r>
+            <a:endParaRPr lang="pl-PL" dirty="0" smtClean="0"/>
+          </a:p>
+          <a:p>
+            <a:r>
+              <a:rPr lang="pl-PL" dirty="0" smtClean="0"/>
+              <a:t>4 </a:t>
+            </a:r>
+            <a:r>
+              <a:rPr lang="pl-PL" dirty="0" err="1" smtClean="0"/>
+              <a:t>Effective</a:t>
+            </a:r>
+            <a:r>
+              <a:rPr lang="pl-PL" dirty="0" smtClean="0"/>
+              <a:t> </a:t>
+            </a:r>
+            <a:r>
+              <a:rPr lang="pl-PL" dirty="0" err="1" smtClean="0"/>
+              <a:t>JavaFX</a:t>
+            </a:r>
+            <a:endParaRPr lang="pl-PL" dirty="0" smtClean="0"/>
+          </a:p>
+          <a:p>
+            <a:r>
+              <a:rPr lang="en-US" dirty="0" smtClean="0">
+                <a:hlinkClick r:id="rId4"/>
+              </a:rPr>
+              <a:t>Deployments: http</a:t>
+            </a:r>
+            <a:r>
+              <a:rPr lang="en-US" dirty="0">
+                <a:hlinkClick r:id="rId4"/>
+              </a:rPr>
+              <a:t>://docs.oracle.com/javafx/2/get_started/basic_deployment.htm#</a:t>
+            </a:r>
+            <a:r>
+              <a:rPr lang="en-US" dirty="0" smtClean="0">
+                <a:hlinkClick r:id="rId4"/>
+              </a:rPr>
+              <a:t>BABFAFEC</a:t>
+            </a:r>
+            <a:endParaRPr lang="en-US" dirty="0" smtClean="0"/>
+          </a:p>
+          <a:p>
+            <a:endParaRPr lang="pl-PL" dirty="0" smtClean="0"/>
+          </a:p>
+          <a:p>
+            <a:endParaRPr lang="pl-PL" dirty="0" smtClean="0"/>
+          </a:p>
+          <a:p>
+            <a:endParaRPr lang="pl-PL" dirty="0"/>
+          </a:p>
+          <a:p>
+            <a:endParaRPr lang="en-US" dirty="0" smtClean="0"/>
+          </a:p>
+          <a:p>
+            <a:endParaRPr lang="en-US" dirty="0"/>
+          </a:p>
+        </p:txBody>
+      </p:sp>
+    </p:spTree>
+    <p:extLst>
+      <p:ext uri="{BB962C8B-B14F-4D97-AF65-F5344CB8AC3E}">
+        <p14:creationId xmlns:p14="http://schemas.microsoft.com/office/powerpoint/2010/main" val="439741293"/>
       </p:ext>
     </p:extLst>
   </p:cSld>
